--- a/Wi20_content/SEDS/L3.Version_Control.pptx
+++ b/Wi20_content/SEDS/L3.Version_Control.pptx
@@ -7280,6 +7280,44 @@
               </a:rPr>
               <a:t>Homework?</a:t>
             </a:r>
+          </a:p>
+          <a:p>
+            <a:pPr>
+              <a:spcBef>
+                <a:spcPts val="800"/>
+              </a:spcBef>
+              <a:buFont typeface="Arial" charset="0"/>
+              <a:buChar char="•"/>
+              <a:defRPr/>
+            </a:pPr>
+            <a:endParaRPr lang="en-US" dirty="0">
+              <a:latin typeface="Calibri" charset="0"/>
+            </a:endParaRPr>
+          </a:p>
+          <a:p>
+            <a:pPr>
+              <a:spcBef>
+                <a:spcPts val="800"/>
+              </a:spcBef>
+              <a:buFont typeface="Arial" charset="0"/>
+              <a:buChar char="•"/>
+              <a:defRPr/>
+            </a:pPr>
+            <a:r>
+              <a:rPr lang="en-US" dirty="0">
+                <a:latin typeface="Calibri" charset="0"/>
+              </a:rPr>
+              <a:t>Really need you to fill in your info on </a:t>
+            </a:r>
+            <a:r>
+              <a:rPr lang="en-US">
+                <a:latin typeface="Calibri" charset="0"/>
+              </a:rPr>
+              <a:t>the GitHub to UW NetID map!</a:t>
+            </a:r>
+            <a:endParaRPr lang="en-US" dirty="0">
+              <a:latin typeface="Calibri" charset="0"/>
+            </a:endParaRPr>
           </a:p>
           <a:p>
             <a:endParaRPr lang="en-US" dirty="0"/>
